--- a/beginner/CommonIssues.pptx
+++ b/beginner/CommonIssues.pptx
@@ -220,7 +220,7 @@
           <a:p>
             <a:fld id="{F8D9B3D7-15CB-9343-AA49-EFB5A8F33F18}" type="datetimeFigureOut">
               <a:rPr lang="en-US" smtClean="0"/>
-              <a:t>5/16/17</a:t>
+              <a:t>8/28/17</a:t>
             </a:fld>
             <a:endParaRPr lang="en-US"/>
           </a:p>
@@ -386,7 +386,7 @@
           <a:p>
             <a:fld id="{FD3EFF1E-85A1-6640-AFB9-C38833E80A84}" type="datetimeFigureOut">
               <a:rPr lang="en-US" smtClean="0"/>
-              <a:t>5/16/17</a:t>
+              <a:t>8/28/17</a:t>
             </a:fld>
             <a:endParaRPr lang="en-US"/>
           </a:p>
@@ -822,6 +822,90 @@
 </p:notes>
 </file>
 
+<file path=ppt/notesSlides/notesSlide3.xml><?xml version="1.0" encoding="utf-8"?>
+<p:notes xmlns:a="http://schemas.openxmlformats.org/drawingml/2006/main" xmlns:r="http://schemas.openxmlformats.org/officeDocument/2006/relationships" xmlns:p="http://schemas.openxmlformats.org/presentationml/2006/main">
+  <p:cSld>
+    <p:spTree>
+      <p:nvGrpSpPr>
+        <p:cNvPr id="1" name=""/>
+        <p:cNvGrpSpPr/>
+        <p:nvPr/>
+      </p:nvGrpSpPr>
+      <p:grpSpPr>
+        <a:xfrm>
+          <a:off x="0" y="0"/>
+          <a:ext cx="0" cy="0"/>
+          <a:chOff x="0" y="0"/>
+          <a:chExt cx="0" cy="0"/>
+        </a:xfrm>
+      </p:grpSpPr>
+      <p:sp>
+        <p:nvSpPr>
+          <p:cNvPr id="2" name="Slide Image Placeholder 1"/>
+          <p:cNvSpPr>
+            <a:spLocks noGrp="1" noRot="1" noChangeAspect="1"/>
+          </p:cNvSpPr>
+          <p:nvPr>
+            <p:ph type="sldImg"/>
+          </p:nvPr>
+        </p:nvSpPr>
+        <p:spPr/>
+      </p:sp>
+      <p:sp>
+        <p:nvSpPr>
+          <p:cNvPr id="3" name="Notes Placeholder 2"/>
+          <p:cNvSpPr>
+            <a:spLocks noGrp="1"/>
+          </p:cNvSpPr>
+          <p:nvPr>
+            <p:ph type="body" idx="1"/>
+          </p:nvPr>
+        </p:nvSpPr>
+        <p:spPr/>
+        <p:txBody>
+          <a:bodyPr/>
+          <a:lstStyle/>
+          <a:p>
+            <a:endParaRPr lang="en-US"/>
+          </a:p>
+        </p:txBody>
+      </p:sp>
+      <p:sp>
+        <p:nvSpPr>
+          <p:cNvPr id="4" name="Slide Number Placeholder 3"/>
+          <p:cNvSpPr>
+            <a:spLocks noGrp="1"/>
+          </p:cNvSpPr>
+          <p:nvPr>
+            <p:ph type="sldNum" sz="quarter" idx="10"/>
+          </p:nvPr>
+        </p:nvSpPr>
+        <p:spPr/>
+        <p:txBody>
+          <a:bodyPr/>
+          <a:lstStyle/>
+          <a:p>
+            <a:fld id="{13967457-1E83-1040-AFF7-8D09C473DBD5}" type="slidenum">
+              <a:rPr lang="en-US" smtClean="0"/>
+              <a:t>3</a:t>
+            </a:fld>
+            <a:endParaRPr lang="en-US"/>
+          </a:p>
+        </p:txBody>
+      </p:sp>
+    </p:spTree>
+    <p:extLst>
+      <p:ext uri="{BB962C8B-B14F-4D97-AF65-F5344CB8AC3E}">
+        <p14:creationId xmlns:p14="http://schemas.microsoft.com/office/powerpoint/2010/main" val="712021291"/>
+      </p:ext>
+    </p:extLst>
+  </p:cSld>
+  <p:clrMapOvr>
+    <a:masterClrMapping/>
+  </p:clrMapOvr>
+</p:notes>
+</file>
+
 <file path=ppt/slideLayouts/slideLayout1.xml><?xml version="1.0" encoding="utf-8"?>
 <p:sldLayout xmlns:a="http://schemas.openxmlformats.org/drawingml/2006/main" xmlns:r="http://schemas.openxmlformats.org/officeDocument/2006/relationships" xmlns:p="http://schemas.openxmlformats.org/presentationml/2006/main" showMasterSp="0" preserve="1">
   <p:cSld name="Title Slide">
@@ -979,7 +1063,7 @@
           <a:p>
             <a:r>
               <a:rPr lang="de-DE" smtClean="0"/>
-              <a:t>© EV3Lessons.com, 2017 Last Update: (5/16/2017)</a:t>
+              <a:t>© EV3Lessons.com, 2017 Last Update: (8/28/2017)</a:t>
             </a:r>
             <a:endParaRPr lang="en-US" dirty="0"/>
           </a:p>
@@ -1170,7 +1254,7 @@
           <a:noFill/>
           <a:extLst>
             <a:ext uri="{909E8E84-426E-40dd-AFC4-6F175D3DCCD1}">
-              <a14:hiddenFill xmlns="" xmlns:a14="http://schemas.microsoft.com/office/drawing/2010/main">
+              <a14:hiddenFill xmlns:a14="http://schemas.microsoft.com/office/drawing/2010/main" xmlns="">
                 <a:solidFill>
                   <a:srgbClr val="FFFFFF"/>
                 </a:solidFill>
@@ -1795,7 +1879,7 @@
           <a:p>
             <a:r>
               <a:rPr lang="de-DE" smtClean="0"/>
-              <a:t>© EV3Lessons.com, 2017 Last Update: (5/16/2017)</a:t>
+              <a:t>© EV3Lessons.com, 2017 Last Update: (8/28/2017)</a:t>
             </a:r>
             <a:endParaRPr lang="en-US"/>
           </a:p>
@@ -1964,7 +2048,7 @@
           <a:p>
             <a:r>
               <a:rPr lang="de-DE" smtClean="0"/>
-              <a:t>© EV3Lessons.com, 2017 Last Update: (5/16/2017)</a:t>
+              <a:t>© EV3Lessons.com, 2017 Last Update: (8/28/2017)</a:t>
             </a:r>
             <a:endParaRPr lang="en-US"/>
           </a:p>
@@ -2164,7 +2248,7 @@
           <a:p>
             <a:r>
               <a:rPr lang="de-DE" smtClean="0"/>
-              <a:t>© EV3Lessons.com, 2017 Last Update: (5/16/2017)</a:t>
+              <a:t>© EV3Lessons.com, 2017 Last Update: (8/28/2017)</a:t>
             </a:r>
             <a:endParaRPr lang="en-US"/>
           </a:p>
@@ -2334,7 +2418,7 @@
           <a:p>
             <a:r>
               <a:rPr lang="de-DE" smtClean="0"/>
-              <a:t>© EV3Lessons.com, 2017 Last Update: (5/16/2017)</a:t>
+              <a:t>© EV3Lessons.com, 2017 Last Update: (8/28/2017)</a:t>
             </a:r>
             <a:endParaRPr lang="en-US"/>
           </a:p>
@@ -2580,7 +2664,7 @@
           <a:p>
             <a:r>
               <a:rPr lang="de-DE" smtClean="0"/>
-              <a:t>© EV3Lessons.com, 2017 Last Update: (5/16/2017)</a:t>
+              <a:t>© EV3Lessons.com, 2017 Last Update: (8/28/2017)</a:t>
             </a:r>
             <a:endParaRPr lang="en-US"/>
           </a:p>
@@ -2812,7 +2896,7 @@
           <a:p>
             <a:r>
               <a:rPr lang="de-DE" smtClean="0"/>
-              <a:t>© EV3Lessons.com, 2017 Last Update: (5/16/2017)</a:t>
+              <a:t>© EV3Lessons.com, 2017 Last Update: (8/28/2017)</a:t>
             </a:r>
             <a:endParaRPr lang="en-US"/>
           </a:p>
@@ -3179,7 +3263,7 @@
           <a:p>
             <a:r>
               <a:rPr lang="de-DE" smtClean="0"/>
-              <a:t>© EV3Lessons.com, 2017 Last Update: (5/16/2017)</a:t>
+              <a:t>© EV3Lessons.com, 2017 Last Update: (8/28/2017)</a:t>
             </a:r>
             <a:endParaRPr lang="en-US"/>
           </a:p>
@@ -3297,7 +3381,7 @@
           <a:p>
             <a:r>
               <a:rPr lang="de-DE" smtClean="0"/>
-              <a:t>© EV3Lessons.com, 2017 Last Update: (5/16/2017)</a:t>
+              <a:t>© EV3Lessons.com, 2017 Last Update: (8/28/2017)</a:t>
             </a:r>
             <a:endParaRPr lang="en-US"/>
           </a:p>
@@ -3392,7 +3476,7 @@
           <a:p>
             <a:r>
               <a:rPr lang="de-DE" smtClean="0"/>
-              <a:t>© EV3Lessons.com, 2017 Last Update: (5/16/2017)</a:t>
+              <a:t>© EV3Lessons.com, 2017 Last Update: (8/28/2017)</a:t>
             </a:r>
             <a:endParaRPr lang="en-US"/>
           </a:p>
@@ -3669,7 +3753,7 @@
           <a:p>
             <a:r>
               <a:rPr lang="de-DE" smtClean="0"/>
-              <a:t>© EV3Lessons.com, 2017 Last Update: (5/16/2017)</a:t>
+              <a:t>© EV3Lessons.com, 2017 Last Update: (8/28/2017)</a:t>
             </a:r>
             <a:endParaRPr lang="en-US"/>
           </a:p>
@@ -3830,7 +3914,7 @@
           <a:p>
             <a:r>
               <a:rPr lang="de-DE" smtClean="0"/>
-              <a:t>© EV3Lessons.com, 2017 Last Update: (5/16/2017)</a:t>
+              <a:t>© EV3Lessons.com, 2017 Last Update: (8/28/2017)</a:t>
             </a:r>
             <a:endParaRPr lang="en-US" dirty="0"/>
           </a:p>
@@ -4102,7 +4186,7 @@
           <a:p>
             <a:r>
               <a:rPr lang="de-DE" smtClean="0"/>
-              <a:t>© EV3Lessons.com, 2017 Last Update: (5/16/2017)</a:t>
+              <a:t>© EV3Lessons.com, 2017 Last Update: (8/28/2017)</a:t>
             </a:r>
             <a:endParaRPr lang="en-US"/>
           </a:p>
@@ -4272,7 +4356,7 @@
           <a:p>
             <a:r>
               <a:rPr lang="de-DE" smtClean="0"/>
-              <a:t>© EV3Lessons.com, 2017 Last Update: (5/16/2017)</a:t>
+              <a:t>© EV3Lessons.com, 2017 Last Update: (8/28/2017)</a:t>
             </a:r>
             <a:endParaRPr lang="en-US"/>
           </a:p>
@@ -4452,7 +4536,7 @@
           <a:p>
             <a:r>
               <a:rPr lang="de-DE" smtClean="0"/>
-              <a:t>© EV3Lessons.com, 2017 Last Update: (5/16/2017)</a:t>
+              <a:t>© EV3Lessons.com, 2017 Last Update: (8/28/2017)</a:t>
             </a:r>
             <a:endParaRPr lang="en-US"/>
           </a:p>
@@ -4718,7 +4802,7 @@
           <a:p>
             <a:r>
               <a:rPr lang="de-DE" smtClean="0"/>
-              <a:t>© EV3Lessons.com, 2017 Last Update: (5/16/2017)</a:t>
+              <a:t>© EV3Lessons.com, 2017 Last Update: (8/28/2017)</a:t>
             </a:r>
             <a:endParaRPr lang="en-US"/>
           </a:p>
@@ -4969,7 +5053,7 @@
           <a:p>
             <a:r>
               <a:rPr lang="de-DE" smtClean="0"/>
-              <a:t>© EV3Lessons.com, 2017 Last Update: (5/16/2017)</a:t>
+              <a:t>© EV3Lessons.com, 2017 Last Update: (8/28/2017)</a:t>
             </a:r>
             <a:endParaRPr lang="en-US"/>
           </a:p>
@@ -5409,7 +5493,7 @@
           <a:p>
             <a:r>
               <a:rPr lang="de-DE" smtClean="0"/>
-              <a:t>© EV3Lessons.com, 2017 Last Update: (5/16/2017)</a:t>
+              <a:t>© EV3Lessons.com, 2017 Last Update: (8/28/2017)</a:t>
             </a:r>
             <a:endParaRPr lang="en-US"/>
           </a:p>
@@ -5523,7 +5607,7 @@
           <a:p>
             <a:r>
               <a:rPr lang="de-DE" smtClean="0"/>
-              <a:t>© EV3Lessons.com, 2017 Last Update: (5/16/2017)</a:t>
+              <a:t>© EV3Lessons.com, 2017 Last Update: (8/28/2017)</a:t>
             </a:r>
             <a:endParaRPr lang="en-US"/>
           </a:p>
@@ -5614,7 +5698,7 @@
           <a:p>
             <a:r>
               <a:rPr lang="de-DE" smtClean="0"/>
-              <a:t>© EV3Lessons.com, 2017 Last Update: (5/16/2017)</a:t>
+              <a:t>© EV3Lessons.com, 2017 Last Update: (8/28/2017)</a:t>
             </a:r>
             <a:endParaRPr lang="en-US"/>
           </a:p>
@@ -5850,7 +5934,7 @@
           <a:p>
             <a:r>
               <a:rPr lang="de-DE" smtClean="0"/>
-              <a:t>© EV3Lessons.com, 2017 Last Update: (5/16/2017)</a:t>
+              <a:t>© EV3Lessons.com, 2017 Last Update: (8/28/2017)</a:t>
             </a:r>
             <a:endParaRPr lang="en-US"/>
           </a:p>
@@ -6138,7 +6222,7 @@
           <a:p>
             <a:r>
               <a:rPr lang="de-DE" smtClean="0"/>
-              <a:t>© EV3Lessons.com, 2017 Last Update: (5/16/2017)</a:t>
+              <a:t>© EV3Lessons.com, 2017 Last Update: (8/28/2017)</a:t>
             </a:r>
             <a:endParaRPr lang="en-US"/>
           </a:p>
@@ -6426,7 +6510,7 @@
           <a:p>
             <a:r>
               <a:rPr lang="de-DE" smtClean="0"/>
-              <a:t>© EV3Lessons.com, 2017 Last Update: (5/16/2017)</a:t>
+              <a:t>© EV3Lessons.com, 2017 Last Update: (8/28/2017)</a:t>
             </a:r>
             <a:endParaRPr lang="en-US"/>
           </a:p>
@@ -7492,7 +7576,7 @@
           <a:p>
             <a:r>
               <a:rPr lang="de-DE" smtClean="0"/>
-              <a:t>© EV3Lessons.com, 2017 Last Update: (5/16/2017)</a:t>
+              <a:t>© EV3Lessons.com, 2017 Last Update: (8/28/2017)</a:t>
             </a:r>
             <a:endParaRPr lang="en-US"/>
           </a:p>
@@ -7878,11 +7962,7 @@
           <a:p>
             <a:r>
               <a:rPr lang="en-US" dirty="0" smtClean="0"/>
-              <a:t>Common </a:t>
-            </a:r>
-            <a:r>
-              <a:rPr lang="en-US" dirty="0" smtClean="0"/>
-              <a:t>EV3 Issues</a:t>
+              <a:t>Common EV3 Issues</a:t>
             </a:r>
             <a:endParaRPr lang="en-US" dirty="0"/>
           </a:p>
@@ -8025,7 +8105,6 @@
               <a:rPr lang="en-US" dirty="0" smtClean="0"/>
               <a:t>Learn solutions to common brick-related issues</a:t>
             </a:r>
-            <a:endParaRPr lang="en-US" dirty="0" smtClean="0"/>
           </a:p>
         </p:txBody>
       </p:sp>
@@ -8069,7 +8148,7 @@
           <a:p>
             <a:r>
               <a:rPr lang="de-DE" smtClean="0"/>
-              <a:t>© EV3Lessons.com, 2017 Last Update: (5/16/2017)</a:t>
+              <a:t>© EV3Lessons.com, 2017 Last Update: (8/28/2017)</a:t>
             </a:r>
             <a:endParaRPr lang="en-US" dirty="0"/>
           </a:p>
@@ -8131,11 +8210,7 @@
           <a:p>
             <a:r>
               <a:rPr lang="en-US" dirty="0" smtClean="0"/>
-              <a:t>My BRICK IS </a:t>
-            </a:r>
-            <a:r>
-              <a:rPr lang="en-US" dirty="0" smtClean="0"/>
-              <a:t>FROZEN</a:t>
+              <a:t>My BRICK IS FROZEN</a:t>
             </a:r>
             <a:endParaRPr lang="en-US" dirty="0"/>
           </a:p>
@@ -8170,11 +8245,7 @@
             </a:r>
             <a:r>
               <a:rPr lang="en-US" b="0" dirty="0" smtClean="0"/>
-              <a:t>gets frozen</a:t>
-            </a:r>
-            <a:r>
-              <a:rPr lang="en-US" b="0" dirty="0" smtClean="0"/>
-              <a:t>, </a:t>
+              <a:t>gets frozen, </a:t>
             </a:r>
             <a:r>
               <a:rPr lang="en-US" b="0" dirty="0"/>
@@ -8195,28 +8266,28 @@
               <a:t>down the </a:t>
             </a:r>
             <a:r>
-              <a:rPr lang="en-US" dirty="0"/>
+              <a:rPr lang="en-US" dirty="0" smtClean="0"/>
               <a:t>Back</a:t>
             </a:r>
             <a:r>
               <a:rPr lang="en-US" b="0" dirty="0"/>
-              <a:t>, </a:t>
-            </a:r>
-            <a:r>
-              <a:rPr lang="en-US" dirty="0"/>
-              <a:t>Center</a:t>
+              <a:t> </a:t>
+            </a:r>
+            <a:r>
+              <a:rPr lang="en-US" b="0" dirty="0" smtClean="0"/>
+              <a:t>and </a:t>
+            </a:r>
+            <a:r>
+              <a:rPr lang="en-US" dirty="0" smtClean="0"/>
+              <a:t>Center </a:t>
+            </a:r>
+            <a:r>
+              <a:rPr lang="en-US" b="0" dirty="0" smtClean="0"/>
+              <a:t>buttons </a:t>
             </a:r>
             <a:r>
               <a:rPr lang="en-US" b="0" dirty="0"/>
-              <a:t>, and </a:t>
-            </a:r>
-            <a:r>
-              <a:rPr lang="en-US" dirty="0"/>
-              <a:t>Left</a:t>
-            </a:r>
-            <a:r>
-              <a:rPr lang="en-US" b="0" dirty="0"/>
-              <a:t> buttons on the EV3 Brick. </a:t>
+              <a:t>on the EV3 Brick. </a:t>
             </a:r>
             <a:endParaRPr lang="en-US" b="0" dirty="0" smtClean="0"/>
           </a:p>
@@ -8258,15 +8329,7 @@
               <a:t>Center </a:t>
             </a:r>
             <a:r>
-              <a:rPr lang="en-US" b="0" dirty="0"/>
-              <a:t>and </a:t>
-            </a:r>
-            <a:r>
-              <a:rPr lang="en-US" dirty="0"/>
-              <a:t>Left </a:t>
-            </a:r>
-            <a:r>
-              <a:rPr lang="en-US" b="0" dirty="0"/>
+              <a:rPr lang="en-US" b="0" dirty="0" smtClean="0"/>
               <a:t>buttons</a:t>
             </a:r>
             <a:r>
@@ -8282,7 +8345,6 @@
               <a:rPr lang="en-US" b="0" dirty="0" smtClean="0"/>
               <a:t>Be sure you update your firmware if you have not done so to avoid future issues with your brick</a:t>
             </a:r>
-            <a:endParaRPr lang="en-US" b="0" dirty="0" smtClean="0"/>
           </a:p>
           <a:p>
             <a:pPr marL="457200" indent="-457200" fontAlgn="base">
@@ -8320,7 +8382,7 @@
           <a:p>
             <a:r>
               <a:rPr lang="de-DE" smtClean="0"/>
-              <a:t>© EV3Lessons.com, 2017 Last Update: (5/16/2017)</a:t>
+              <a:t>© EV3Lessons.com, 2017 Last Update: (8/28/2017)</a:t>
             </a:r>
             <a:endParaRPr lang="en-US" dirty="0"/>
           </a:p>
@@ -8358,7 +8420,7 @@
           <p:nvPr/>
         </p:nvPicPr>
         <p:blipFill>
-          <a:blip r:embed="rId2">
+          <a:blip r:embed="rId3">
             <a:extLst>
               <a:ext uri="{28A0092B-C50C-407E-A947-70E740481C1C}">
                 <a14:useLocalDpi xmlns:a14="http://schemas.microsoft.com/office/drawing/2010/main"/>
@@ -8388,7 +8450,7 @@
           <p:nvPr/>
         </p:nvPicPr>
         <p:blipFill>
-          <a:blip r:embed="rId3" cstate="print">
+          <a:blip r:embed="rId4" cstate="print">
             <a:extLst>
               <a:ext uri="{28A0092B-C50C-407E-A947-70E740481C1C}">
                 <a14:useLocalDpi xmlns:a14="http://schemas.microsoft.com/office/drawing/2010/main"/>
@@ -8418,7 +8480,7 @@
           <p:nvPr/>
         </p:nvPicPr>
         <p:blipFill>
-          <a:blip r:embed="rId4" cstate="print">
+          <a:blip r:embed="rId5" cstate="print">
             <a:extLst>
               <a:ext uri="{28A0092B-C50C-407E-A947-70E740481C1C}">
                 <a14:useLocalDpi xmlns:a14="http://schemas.microsoft.com/office/drawing/2010/main"/>
@@ -8439,78 +8501,6 @@
           </a:prstGeom>
         </p:spPr>
       </p:pic>
-      <p:pic>
-        <p:nvPicPr>
-          <p:cNvPr id="10" name="Picture 9"/>
-          <p:cNvPicPr>
-            <a:picLocks noChangeAspect="1"/>
-          </p:cNvPicPr>
-          <p:nvPr/>
-        </p:nvPicPr>
-        <p:blipFill>
-          <a:blip r:embed="rId5" cstate="print">
-            <a:extLst>
-              <a:ext uri="{28A0092B-C50C-407E-A947-70E740481C1C}">
-                <a14:useLocalDpi xmlns:a14="http://schemas.microsoft.com/office/drawing/2010/main"/>
-              </a:ext>
-            </a:extLst>
-          </a:blip>
-          <a:stretch>
-            <a:fillRect/>
-          </a:stretch>
-        </p:blipFill>
-        <p:spPr>
-          <a:xfrm rot="3166700" flipH="1">
-            <a:off x="503878" y="4155275"/>
-            <a:ext cx="1080912" cy="1219838"/>
-          </a:xfrm>
-          <a:prstGeom prst="rect">
-            <a:avLst/>
-          </a:prstGeom>
-        </p:spPr>
-      </p:pic>
-      <p:sp>
-        <p:nvSpPr>
-          <p:cNvPr id="11" name="TextBox 10"/>
-          <p:cNvSpPr txBox="1"/>
-          <p:nvPr/>
-        </p:nvSpPr>
-        <p:spPr>
-          <a:xfrm>
-            <a:off x="4213715" y="5686590"/>
-            <a:ext cx="4549129" cy="584775"/>
-          </a:xfrm>
-          <a:prstGeom prst="rect">
-            <a:avLst/>
-          </a:prstGeom>
-          <a:noFill/>
-        </p:spPr>
-        <p:txBody>
-          <a:bodyPr wrap="square" rtlCol="0">
-            <a:spAutoFit/>
-          </a:bodyPr>
-          <a:lstStyle/>
-          <a:p>
-            <a:r>
-              <a:rPr lang="en-US" sz="1600" b="1" dirty="0" smtClean="0"/>
-              <a:t>Refer </a:t>
-            </a:r>
-            <a:r>
-              <a:rPr lang="en-US" sz="1600" b="1" dirty="0"/>
-              <a:t>to Video from Hands on Technology: https://</a:t>
-            </a:r>
-            <a:r>
-              <a:rPr lang="en-US" sz="1600" b="1" dirty="0" err="1"/>
-              <a:t>youtu.be</a:t>
-            </a:r>
-            <a:r>
-              <a:rPr lang="en-US" sz="1600" b="1" dirty="0"/>
-              <a:t>/PzMoL5shrJw</a:t>
-            </a:r>
-            <a:endParaRPr lang="en-US" sz="1600" b="1" dirty="0"/>
-          </a:p>
-        </p:txBody>
-      </p:sp>
     </p:spTree>
     <p:extLst>
       <p:ext uri="{BB962C8B-B14F-4D97-AF65-F5344CB8AC3E}">
@@ -8569,7 +8559,6 @@
               <a:rPr lang="en-US" dirty="0"/>
               <a:t>BRICK REPEATEDLY STUCK DURING BOOT/STUCK DURING FIRMWARE UPDATE</a:t>
             </a:r>
-            <a:endParaRPr lang="en-US" dirty="0"/>
           </a:p>
         </p:txBody>
       </p:sp>
@@ -8590,7 +8579,7 @@
           <a:p>
             <a:r>
               <a:rPr lang="de-DE" smtClean="0"/>
-              <a:t>© EV3Lessons.com, 2017 Last Update: (5/16/2017)</a:t>
+              <a:t>© EV3Lessons.com, 2017 Last Update: (8/28/2017)</a:t>
             </a:r>
             <a:endParaRPr lang="en-US" dirty="0"/>
           </a:p>
@@ -8799,7 +8788,6 @@
               <a:rPr lang="en-US" dirty="0" smtClean="0"/>
               <a:t>Update your firmware again using your USB cable</a:t>
             </a:r>
-            <a:endParaRPr lang="en-US" dirty="0" smtClean="0"/>
           </a:p>
         </p:txBody>
       </p:sp>
@@ -8973,29 +8961,13 @@
           <a:p>
             <a:r>
               <a:rPr lang="en-US" b="0" dirty="0" smtClean="0"/>
-              <a:t>1</a:t>
-            </a:r>
+              <a:t>1) Remove and reinsert battery</a:t>
+            </a:r>
+          </a:p>
+          <a:p>
             <a:r>
               <a:rPr lang="en-US" b="0" dirty="0" smtClean="0"/>
-              <a:t>) Remove and reinsert battery</a:t>
-            </a:r>
-          </a:p>
-          <a:p>
-            <a:r>
-              <a:rPr lang="en-US" b="0" dirty="0" smtClean="0"/>
-              <a:t>2) </a:t>
-            </a:r>
-            <a:r>
-              <a:rPr lang="en-US" b="0" dirty="0" smtClean="0"/>
-              <a:t>When the brick is off, hold</a:t>
-            </a:r>
-            <a:r>
-              <a:rPr lang="en-US" b="0" dirty="0" smtClean="0"/>
-              <a:t> </a:t>
-            </a:r>
-            <a:r>
-              <a:rPr lang="en-US" b="0" dirty="0" smtClean="0"/>
-              <a:t>down </a:t>
+              <a:t>2) When the brick is off, hold down </a:t>
             </a:r>
             <a:r>
               <a:rPr lang="en-US" dirty="0"/>
@@ -9019,21 +8991,13 @@
             </a:r>
             <a:r>
               <a:rPr lang="en-US" b="0" dirty="0" smtClean="0"/>
-              <a:t> button together until you see “</a:t>
-            </a:r>
+              <a:t> button together until you see “Updating”</a:t>
+            </a:r>
+          </a:p>
+          <a:p>
             <a:r>
               <a:rPr lang="en-US" b="0" dirty="0" smtClean="0"/>
-              <a:t>Updating”</a:t>
-            </a:r>
-          </a:p>
-          <a:p>
-            <a:r>
-              <a:rPr lang="en-US" b="0" dirty="0" smtClean="0"/>
-              <a:t>3</a:t>
-            </a:r>
-            <a:r>
-              <a:rPr lang="en-US" b="0" dirty="0" smtClean="0"/>
-              <a:t>) </a:t>
+              <a:t>3) </a:t>
             </a:r>
             <a:r>
               <a:rPr lang="en-US" b="0" dirty="0"/>
@@ -9062,7 +9026,7 @@
           <a:p>
             <a:r>
               <a:rPr lang="de-DE" smtClean="0"/>
-              <a:t>© EV3Lessons.com, 2017 Last Update: (5/16/2017)</a:t>
+              <a:t>© EV3Lessons.com, 2017 Last Update: (8/28/2017)</a:t>
             </a:r>
             <a:endParaRPr lang="en-US" dirty="0"/>
           </a:p>
@@ -9306,11 +9270,7 @@
             </a:pPr>
             <a:r>
               <a:rPr lang="en-US" b="0" dirty="0" smtClean="0"/>
-              <a:t>Reinsert </a:t>
-            </a:r>
-            <a:r>
-              <a:rPr lang="en-US" b="0" dirty="0" smtClean="0"/>
-              <a:t>battery</a:t>
+              <a:t>Reinsert battery</a:t>
             </a:r>
           </a:p>
           <a:p>
@@ -9372,7 +9332,7 @@
           <a:p>
             <a:r>
               <a:rPr lang="de-DE" smtClean="0"/>
-              <a:t>© EV3Lessons.com, 2017 Last Update: (5/16/2017)</a:t>
+              <a:t>© EV3Lessons.com, 2017 Last Update: (8/28/2017)</a:t>
             </a:r>
             <a:endParaRPr lang="en-US" dirty="0"/>
           </a:p>
@@ -9514,11 +9474,7 @@
           <a:p>
             <a:r>
               <a:rPr lang="en-US" dirty="0" smtClean="0"/>
-              <a:t>MY “off” </a:t>
-            </a:r>
-            <a:r>
-              <a:rPr lang="en-US" dirty="0" smtClean="0"/>
-              <a:t>Button is stuck</a:t>
+              <a:t>MY “off” Button is stuck</a:t>
             </a:r>
             <a:endParaRPr lang="en-US" dirty="0"/>
           </a:p>
@@ -9614,11 +9570,7 @@
             </a:pPr>
             <a:r>
               <a:rPr lang="en-US" b="0" dirty="0" smtClean="0"/>
-              <a:t>Screw back the </a:t>
-            </a:r>
-            <a:r>
-              <a:rPr lang="en-US" b="0" dirty="0" smtClean="0"/>
-              <a:t>case</a:t>
+              <a:t>Screw back the case</a:t>
             </a:r>
           </a:p>
           <a:p>
@@ -9692,7 +9644,7 @@
           <a:p>
             <a:r>
               <a:rPr lang="de-DE" smtClean="0"/>
-              <a:t>© EV3Lessons.com, 2017 Last Update: (5/16/2017)</a:t>
+              <a:t>© EV3Lessons.com, 2017 Last Update: (8/28/2017)</a:t>
             </a:r>
             <a:endParaRPr lang="en-US" dirty="0"/>
           </a:p>
@@ -9935,21 +9887,8 @@
             </a:pPr>
             <a:r>
               <a:rPr lang="en-US" dirty="0" smtClean="0"/>
-              <a:t>Unfortunately, if you lost the program on your computer, there is </a:t>
-            </a:r>
-            <a:r>
-              <a:rPr lang="en-US" dirty="0" smtClean="0"/>
-              <a:t>no way to get an editable program (in EV3-G) </a:t>
-            </a:r>
-            <a:r>
-              <a:rPr lang="en-US" dirty="0" smtClean="0"/>
-              <a:t>off the brick and back to your </a:t>
-            </a:r>
-            <a:r>
-              <a:rPr lang="en-US" dirty="0" smtClean="0"/>
-              <a:t>computer.</a:t>
-            </a:r>
-            <a:endParaRPr lang="en-US" dirty="0" smtClean="0"/>
+              <a:t>Unfortunately, if you lost the program on your computer, there is no way to get an editable program (in EV3-G) off the brick and back to your computer.</a:t>
+            </a:r>
           </a:p>
           <a:p>
             <a:pPr marL="342900" indent="-342900">
@@ -9965,11 +9904,7 @@
             </a:pPr>
             <a:r>
               <a:rPr lang="en-US" dirty="0" smtClean="0"/>
-              <a:t>What about </a:t>
-            </a:r>
-            <a:r>
-              <a:rPr lang="en-US" dirty="0" smtClean="0"/>
-              <a:t>the </a:t>
+              <a:t>What about the </a:t>
             </a:r>
             <a:r>
               <a:rPr lang="en-US" i="1" dirty="0" smtClean="0"/>
@@ -9987,15 +9922,7 @@
             </a:pPr>
             <a:r>
               <a:rPr lang="en-US" dirty="0" smtClean="0"/>
-              <a:t>It will let you get a copy of a compiled (binary) version of your program. </a:t>
-            </a:r>
-            <a:r>
-              <a:rPr lang="en-US" dirty="0" smtClean="0"/>
-              <a:t>However, </a:t>
-            </a:r>
-            <a:r>
-              <a:rPr lang="en-US" dirty="0" smtClean="0"/>
-              <a:t>you will not be able to view or edit the program in your EV3 software again.</a:t>
+              <a:t>It will let you get a copy of a compiled (binary) version of your program. However, you will not be able to view or edit the program in your EV3 software again.</a:t>
             </a:r>
           </a:p>
           <a:p>
@@ -10026,7 +9953,7 @@
           <a:p>
             <a:r>
               <a:rPr lang="de-DE" smtClean="0"/>
-              <a:t>© EV3Lessons.com, 2017 Last Update: (5/16/2017)</a:t>
+              <a:t>© EV3Lessons.com, 2017 Last Update: (8/28/2017)</a:t>
             </a:r>
             <a:endParaRPr lang="en-US" dirty="0"/>
           </a:p>
@@ -10292,7 +10219,7 @@
           <a:effectLst/>
           <a:extLst>
             <a:ext uri="{91240B29-F687-4f45-9708-019B960494DF}">
-              <a14:hiddenLine xmlns="" xmlns:a14="http://schemas.microsoft.com/office/drawing/2010/main" w="9525">
+              <a14:hiddenLine xmlns:a14="http://schemas.microsoft.com/office/drawing/2010/main" xmlns="" w="9525">
                 <a:solidFill>
                   <a:schemeClr val="tx1"/>
                 </a:solidFill>
@@ -10302,7 +10229,7 @@
               </a14:hiddenLine>
             </a:ext>
             <a:ext uri="{AF507438-7753-43e0-B8FC-AC1667EBCBE1}">
-              <a14:hiddenEffects xmlns="" xmlns:a14="http://schemas.microsoft.com/office/drawing/2010/main">
+              <a14:hiddenEffects xmlns:a14="http://schemas.microsoft.com/office/drawing/2010/main" xmlns="">
                 <a:effectLst>
                   <a:outerShdw dist="35921" dir="2700000" algn="ctr" rotWithShape="0">
                     <a:schemeClr val="bg2"/>
@@ -10655,7 +10582,7 @@
           <a:noFill/>
           <a:extLst>
             <a:ext uri="{909E8E84-426E-40dd-AFC4-6F175D3DCCD1}">
-              <a14:hiddenFill xmlns="" xmlns:a14="http://schemas.microsoft.com/office/drawing/2010/main">
+              <a14:hiddenFill xmlns:a14="http://schemas.microsoft.com/office/drawing/2010/main" xmlns="">
                 <a:solidFill>
                   <a:srgbClr val="FFFFFF"/>
                 </a:solidFill>
@@ -10704,7 +10631,7 @@
           <a:p>
             <a:r>
               <a:rPr lang="de-DE" smtClean="0"/>
-              <a:t>© EV3Lessons.com, 2017 Last Update: (5/16/2017)</a:t>
+              <a:t>© EV3Lessons.com, 2017 Last Update: (8/28/2017)</a:t>
             </a:r>
             <a:endParaRPr lang="en-US" dirty="0"/>
           </a:p>
